--- a/Project Presentation.pptx
+++ b/Project Presentation.pptx
@@ -11,7 +11,8 @@
     <p:sldId id="259" r:id="rId5"/>
     <p:sldId id="260" r:id="rId6"/>
     <p:sldId id="261" r:id="rId7"/>
-    <p:sldId id="262" r:id="rId8"/>
+    <p:sldId id="263" r:id="rId8"/>
+    <p:sldId id="262" r:id="rId9"/>
   </p:sldIdLst>
   <p:sldSz cx="12192000" cy="6858000"/>
   <p:notesSz cx="6858000" cy="9144000"/>
@@ -110,6 +111,11 @@
       </a:defRPr>
     </a:lvl9pPr>
   </p:defaultTextStyle>
+  <p:extLst>
+    <p:ext uri="{EFAFB233-063F-42B5-8137-9DF3F51BA10A}">
+      <p15:sldGuideLst xmlns:p15="http://schemas.microsoft.com/office/powerpoint/2012/main"/>
+    </p:ext>
+  </p:extLst>
 </p:presentation>
 </file>
 
@@ -1746,6 +1752,54 @@
           <pc:sldMasterMk cId="228514201" sldId="2147483672"/>
         </pc:sldMasterMkLst>
       </pc:sldMasterChg>
+    </pc:docChg>
+  </pc:docChgLst>
+  <pc:docChgLst>
+    <pc:chgData name="John" userId="6869b6f5-223b-41f3-a35c-aa08f074ebca" providerId="ADAL" clId="{5CA22500-EDB2-44B5-A872-7CF0DE6AE1D2}"/>
+    <pc:docChg chg="custSel addSld modSld">
+      <pc:chgData name="John" userId="6869b6f5-223b-41f3-a35c-aa08f074ebca" providerId="ADAL" clId="{5CA22500-EDB2-44B5-A872-7CF0DE6AE1D2}" dt="2023-12-11T15:23:18.397" v="13" actId="1076"/>
+      <pc:docMkLst>
+        <pc:docMk/>
+      </pc:docMkLst>
+      <pc:sldChg chg="addSp delSp modSp new mod">
+        <pc:chgData name="John" userId="6869b6f5-223b-41f3-a35c-aa08f074ebca" providerId="ADAL" clId="{5CA22500-EDB2-44B5-A872-7CF0DE6AE1D2}" dt="2023-12-11T15:23:18.397" v="13" actId="1076"/>
+        <pc:sldMkLst>
+          <pc:docMk/>
+          <pc:sldMk cId="3896221831" sldId="263"/>
+        </pc:sldMkLst>
+        <pc:spChg chg="mod">
+          <ac:chgData name="John" userId="6869b6f5-223b-41f3-a35c-aa08f074ebca" providerId="ADAL" clId="{5CA22500-EDB2-44B5-A872-7CF0DE6AE1D2}" dt="2023-12-11T15:22:36.046" v="4" actId="20577"/>
+          <ac:spMkLst>
+            <pc:docMk/>
+            <pc:sldMk cId="3896221831" sldId="263"/>
+            <ac:spMk id="2" creationId="{79DEB019-0716-C1E7-9DE7-C5F9A12ED7F8}"/>
+          </ac:spMkLst>
+        </pc:spChg>
+        <pc:spChg chg="del">
+          <ac:chgData name="John" userId="6869b6f5-223b-41f3-a35c-aa08f074ebca" providerId="ADAL" clId="{5CA22500-EDB2-44B5-A872-7CF0DE6AE1D2}" dt="2023-12-11T15:22:38.013" v="5" actId="478"/>
+          <ac:spMkLst>
+            <pc:docMk/>
+            <pc:sldMk cId="3896221831" sldId="263"/>
+            <ac:spMk id="3" creationId="{983B2EC9-EDFA-B3ED-592C-9D99E17A4A0B}"/>
+          </ac:spMkLst>
+        </pc:spChg>
+        <pc:picChg chg="add mod">
+          <ac:chgData name="John" userId="6869b6f5-223b-41f3-a35c-aa08f074ebca" providerId="ADAL" clId="{5CA22500-EDB2-44B5-A872-7CF0DE6AE1D2}" dt="2023-12-11T15:23:14.830" v="12" actId="1076"/>
+          <ac:picMkLst>
+            <pc:docMk/>
+            <pc:sldMk cId="3896221831" sldId="263"/>
+            <ac:picMk id="5" creationId="{6B6EF5B5-A9BC-AFB3-918C-245432911F08}"/>
+          </ac:picMkLst>
+        </pc:picChg>
+        <pc:picChg chg="add mod">
+          <ac:chgData name="John" userId="6869b6f5-223b-41f3-a35c-aa08f074ebca" providerId="ADAL" clId="{5CA22500-EDB2-44B5-A872-7CF0DE6AE1D2}" dt="2023-12-11T15:23:18.397" v="13" actId="1076"/>
+          <ac:picMkLst>
+            <pc:docMk/>
+            <pc:sldMk cId="3896221831" sldId="263"/>
+            <ac:picMk id="7" creationId="{ECA673D7-F4BD-C12E-875C-477880B35FF0}"/>
+          </ac:picMkLst>
+        </pc:picChg>
+      </pc:sldChg>
     </pc:docChg>
   </pc:docChgLst>
 </pc:chgInfo>
@@ -1882,7 +1936,7 @@
           <a:p>
             <a:fld id="{B7847E4B-19B8-489E-BE0F-D66ADF0DC8D3}" type="datetimeFigureOut">
               <a:rPr lang="en-US" smtClean="0"/>
-              <a:t>12/10/2023</a:t>
+              <a:t>12/11/2023</a:t>
             </a:fld>
             <a:endParaRPr lang="en-US"/>
           </a:p>
@@ -2052,7 +2106,7 @@
           <a:p>
             <a:fld id="{B7847E4B-19B8-489E-BE0F-D66ADF0DC8D3}" type="datetimeFigureOut">
               <a:rPr lang="en-US" smtClean="0"/>
-              <a:t>12/10/2023</a:t>
+              <a:t>12/11/2023</a:t>
             </a:fld>
             <a:endParaRPr lang="en-US"/>
           </a:p>
@@ -2232,7 +2286,7 @@
           <a:p>
             <a:fld id="{B7847E4B-19B8-489E-BE0F-D66ADF0DC8D3}" type="datetimeFigureOut">
               <a:rPr lang="en-US" smtClean="0"/>
-              <a:t>12/10/2023</a:t>
+              <a:t>12/11/2023</a:t>
             </a:fld>
             <a:endParaRPr lang="en-US"/>
           </a:p>
@@ -2402,7 +2456,7 @@
           <a:p>
             <a:fld id="{B7847E4B-19B8-489E-BE0F-D66ADF0DC8D3}" type="datetimeFigureOut">
               <a:rPr lang="en-US" smtClean="0"/>
-              <a:t>12/10/2023</a:t>
+              <a:t>12/11/2023</a:t>
             </a:fld>
             <a:endParaRPr lang="en-US"/>
           </a:p>
@@ -2648,7 +2702,7 @@
           <a:p>
             <a:fld id="{B7847E4B-19B8-489E-BE0F-D66ADF0DC8D3}" type="datetimeFigureOut">
               <a:rPr lang="en-US" smtClean="0"/>
-              <a:t>12/10/2023</a:t>
+              <a:t>12/11/2023</a:t>
             </a:fld>
             <a:endParaRPr lang="en-US"/>
           </a:p>
@@ -2880,7 +2934,7 @@
           <a:p>
             <a:fld id="{B7847E4B-19B8-489E-BE0F-D66ADF0DC8D3}" type="datetimeFigureOut">
               <a:rPr lang="en-US" smtClean="0"/>
-              <a:t>12/10/2023</a:t>
+              <a:t>12/11/2023</a:t>
             </a:fld>
             <a:endParaRPr lang="en-US"/>
           </a:p>
@@ -3247,7 +3301,7 @@
           <a:p>
             <a:fld id="{B7847E4B-19B8-489E-BE0F-D66ADF0DC8D3}" type="datetimeFigureOut">
               <a:rPr lang="en-US" smtClean="0"/>
-              <a:t>12/10/2023</a:t>
+              <a:t>12/11/2023</a:t>
             </a:fld>
             <a:endParaRPr lang="en-US"/>
           </a:p>
@@ -3365,7 +3419,7 @@
           <a:p>
             <a:fld id="{B7847E4B-19B8-489E-BE0F-D66ADF0DC8D3}" type="datetimeFigureOut">
               <a:rPr lang="en-US" smtClean="0"/>
-              <a:t>12/10/2023</a:t>
+              <a:t>12/11/2023</a:t>
             </a:fld>
             <a:endParaRPr lang="en-US"/>
           </a:p>
@@ -3460,7 +3514,7 @@
           <a:p>
             <a:fld id="{B7847E4B-19B8-489E-BE0F-D66ADF0DC8D3}" type="datetimeFigureOut">
               <a:rPr lang="en-US" smtClean="0"/>
-              <a:t>12/10/2023</a:t>
+              <a:t>12/11/2023</a:t>
             </a:fld>
             <a:endParaRPr lang="en-US"/>
           </a:p>
@@ -3737,7 +3791,7 @@
           <a:p>
             <a:fld id="{B7847E4B-19B8-489E-BE0F-D66ADF0DC8D3}" type="datetimeFigureOut">
               <a:rPr lang="en-US" smtClean="0"/>
-              <a:t>12/10/2023</a:t>
+              <a:t>12/11/2023</a:t>
             </a:fld>
             <a:endParaRPr lang="en-US"/>
           </a:p>
@@ -3994,7 +4048,7 @@
           <a:p>
             <a:fld id="{B7847E4B-19B8-489E-BE0F-D66ADF0DC8D3}" type="datetimeFigureOut">
               <a:rPr lang="en-US" smtClean="0"/>
-              <a:t>12/10/2023</a:t>
+              <a:t>12/11/2023</a:t>
             </a:fld>
             <a:endParaRPr lang="en-US"/>
           </a:p>
@@ -4207,7 +4261,7 @@
           <a:p>
             <a:fld id="{B7847E4B-19B8-489E-BE0F-D66ADF0DC8D3}" type="datetimeFigureOut">
               <a:rPr lang="en-US" smtClean="0"/>
-              <a:t>12/10/2023</a:t>
+              <a:t>12/11/2023</a:t>
             </a:fld>
             <a:endParaRPr lang="en-US"/>
           </a:p>
@@ -5635,8 +5689,8 @@
           </a:p>
         </p:txBody>
       </p:sp>
-      <mc:AlternateContent xmlns:mc="http://schemas.openxmlformats.org/markup-compatibility/2006">
-        <mc:Choice xmlns:a14="http://schemas.microsoft.com/office/drawing/2010/main" Requires="a14">
+      <mc:AlternateContent xmlns:mc="http://schemas.openxmlformats.org/markup-compatibility/2006" xmlns:a14="http://schemas.microsoft.com/office/drawing/2010/main">
+        <mc:Choice Requires="a14">
           <p:sp>
             <p:nvSpPr>
               <p:cNvPr id="10" name="TextBox 9">
@@ -5768,7 +5822,13 @@
                                     <a:rPr lang="en-US" b="0" i="1" smtClean="0">
                                       <a:latin typeface="Cambria Math" panose="02040503050406030204" pitchFamily="18" charset="0"/>
                                     </a:rPr>
-                                    <m:t>12</m:t>
+                                    <m:t>1</m:t>
+                                  </m:r>
+                                  <m:r>
+                                    <a:rPr lang="en-US" b="0" i="1" smtClean="0">
+                                      <a:latin typeface="Cambria Math" panose="02040503050406030204" pitchFamily="18" charset="0"/>
+                                    </a:rPr>
+                                    <m:t>2</m:t>
                                   </m:r>
                                 </m:deg>
                                 <m:e>
@@ -5800,7 +5860,7 @@
             </p:txBody>
           </p:sp>
         </mc:Choice>
-        <mc:Fallback>
+        <mc:Fallback xmlns="">
           <p:sp>
             <p:nvSpPr>
               <p:cNvPr id="10" name="TextBox 9">
@@ -6158,6 +6218,124 @@
 </file>
 
 <file path=ppt/slides/slide7.xml><?xml version="1.0" encoding="utf-8"?>
+<p:sld xmlns:a="http://schemas.openxmlformats.org/drawingml/2006/main" xmlns:r="http://schemas.openxmlformats.org/officeDocument/2006/relationships" xmlns:p="http://schemas.openxmlformats.org/presentationml/2006/main">
+  <p:cSld>
+    <p:spTree>
+      <p:nvGrpSpPr>
+        <p:cNvPr id="1" name=""/>
+        <p:cNvGrpSpPr/>
+        <p:nvPr/>
+      </p:nvGrpSpPr>
+      <p:grpSpPr>
+        <a:xfrm>
+          <a:off x="0" y="0"/>
+          <a:ext cx="0" cy="0"/>
+          <a:chOff x="0" y="0"/>
+          <a:chExt cx="0" cy="0"/>
+        </a:xfrm>
+      </p:grpSpPr>
+      <p:sp>
+        <p:nvSpPr>
+          <p:cNvPr id="2" name="Title 1">
+            <a:extLst>
+              <a:ext uri="{FF2B5EF4-FFF2-40B4-BE49-F238E27FC236}">
+                <a16:creationId xmlns:a16="http://schemas.microsoft.com/office/drawing/2014/main" id="{79DEB019-0716-C1E7-9DE7-C5F9A12ED7F8}"/>
+              </a:ext>
+            </a:extLst>
+          </p:cNvPr>
+          <p:cNvSpPr>
+            <a:spLocks noGrp="1"/>
+          </p:cNvSpPr>
+          <p:nvPr>
+            <p:ph type="title"/>
+          </p:nvPr>
+        </p:nvSpPr>
+        <p:spPr/>
+        <p:txBody>
+          <a:bodyPr/>
+          <a:lstStyle/>
+          <a:p>
+            <a:r>
+              <a:rPr lang="en-US" dirty="0"/>
+              <a:t>Code</a:t>
+            </a:r>
+          </a:p>
+        </p:txBody>
+      </p:sp>
+      <p:pic>
+        <p:nvPicPr>
+          <p:cNvPr id="5" name="Picture 4">
+            <a:extLst>
+              <a:ext uri="{FF2B5EF4-FFF2-40B4-BE49-F238E27FC236}">
+                <a16:creationId xmlns:a16="http://schemas.microsoft.com/office/drawing/2014/main" id="{6B6EF5B5-A9BC-AFB3-918C-245432911F08}"/>
+              </a:ext>
+            </a:extLst>
+          </p:cNvPr>
+          <p:cNvPicPr>
+            <a:picLocks noChangeAspect="1"/>
+          </p:cNvPicPr>
+          <p:nvPr/>
+        </p:nvPicPr>
+        <p:blipFill>
+          <a:blip r:embed="rId2"/>
+          <a:stretch>
+            <a:fillRect/>
+          </a:stretch>
+        </p:blipFill>
+        <p:spPr>
+          <a:xfrm>
+            <a:off x="5990253" y="505671"/>
+            <a:ext cx="4785049" cy="5846658"/>
+          </a:xfrm>
+          <a:prstGeom prst="rect">
+            <a:avLst/>
+          </a:prstGeom>
+        </p:spPr>
+      </p:pic>
+      <p:pic>
+        <p:nvPicPr>
+          <p:cNvPr id="7" name="Picture 6">
+            <a:extLst>
+              <a:ext uri="{FF2B5EF4-FFF2-40B4-BE49-F238E27FC236}">
+                <a16:creationId xmlns:a16="http://schemas.microsoft.com/office/drawing/2014/main" id="{ECA673D7-F4BD-C12E-875C-477880B35FF0}"/>
+              </a:ext>
+            </a:extLst>
+          </p:cNvPr>
+          <p:cNvPicPr>
+            <a:picLocks noChangeAspect="1"/>
+          </p:cNvPicPr>
+          <p:nvPr/>
+        </p:nvPicPr>
+        <p:blipFill>
+          <a:blip r:embed="rId3"/>
+          <a:stretch>
+            <a:fillRect/>
+          </a:stretch>
+        </p:blipFill>
+        <p:spPr>
+          <a:xfrm>
+            <a:off x="1117764" y="2452551"/>
+            <a:ext cx="3667637" cy="1952898"/>
+          </a:xfrm>
+          <a:prstGeom prst="rect">
+            <a:avLst/>
+          </a:prstGeom>
+        </p:spPr>
+      </p:pic>
+    </p:spTree>
+    <p:extLst>
+      <p:ext uri="{BB962C8B-B14F-4D97-AF65-F5344CB8AC3E}">
+        <p14:creationId xmlns:p14="http://schemas.microsoft.com/office/powerpoint/2010/main" val="3896221831"/>
+      </p:ext>
+    </p:extLst>
+  </p:cSld>
+  <p:clrMapOvr>
+    <a:masterClrMapping/>
+  </p:clrMapOvr>
+</p:sld>
+</file>
+
+<file path=ppt/slides/slide8.xml><?xml version="1.0" encoding="utf-8"?>
 <p:sld xmlns:a="http://schemas.openxmlformats.org/drawingml/2006/main" xmlns:r="http://schemas.openxmlformats.org/officeDocument/2006/relationships" xmlns:p="http://schemas.openxmlformats.org/presentationml/2006/main">
   <p:cSld>
     <p:spTree>
